--- a/materials/presentation.pptx
+++ b/materials/presentation.pptx
@@ -8,10 +8,11 @@
     <p:sldId id="257" r:id="rId2"/>
     <p:sldId id="263" r:id="rId3"/>
     <p:sldId id="259" r:id="rId4"/>
-    <p:sldId id="260" r:id="rId5"/>
-    <p:sldId id="261" r:id="rId6"/>
-    <p:sldId id="256" r:id="rId7"/>
-    <p:sldId id="262" r:id="rId8"/>
+    <p:sldId id="264" r:id="rId5"/>
+    <p:sldId id="260" r:id="rId6"/>
+    <p:sldId id="261" r:id="rId7"/>
+    <p:sldId id="256" r:id="rId8"/>
+    <p:sldId id="262" r:id="rId9"/>
   </p:sldIdLst>
   <p:sldSz cx="12192000" cy="6858000"/>
   <p:notesSz cx="6858000" cy="9144000"/>
@@ -335,7 +336,7 @@
           <a:p>
             <a:fld id="{E2D7B634-6894-4B14-A937-12088DEF902E}" type="datetimeFigureOut">
               <a:rPr lang="ru-RU" smtClean="0"/>
-              <a:t>03.02.2025</a:t>
+              <a:t>04.02.2025</a:t>
             </a:fld>
             <a:endParaRPr lang="ru-RU"/>
           </a:p>
@@ -670,7 +671,7 @@
           <a:p>
             <a:fld id="{E2D7B634-6894-4B14-A937-12088DEF902E}" type="datetimeFigureOut">
               <a:rPr lang="ru-RU" smtClean="0"/>
-              <a:t>03.02.2025</a:t>
+              <a:t>04.02.2025</a:t>
             </a:fld>
             <a:endParaRPr lang="ru-RU"/>
           </a:p>
@@ -973,7 +974,7 @@
           <a:p>
             <a:fld id="{E2D7B634-6894-4B14-A937-12088DEF902E}" type="datetimeFigureOut">
               <a:rPr lang="ru-RU" smtClean="0"/>
-              <a:t>03.02.2025</a:t>
+              <a:t>04.02.2025</a:t>
             </a:fld>
             <a:endParaRPr lang="ru-RU"/>
           </a:p>
@@ -1221,7 +1222,7 @@
           <a:p>
             <a:fld id="{E2D7B634-6894-4B14-A937-12088DEF902E}" type="datetimeFigureOut">
               <a:rPr lang="ru-RU" smtClean="0"/>
-              <a:t>03.02.2025</a:t>
+              <a:t>04.02.2025</a:t>
             </a:fld>
             <a:endParaRPr lang="ru-RU"/>
           </a:p>
@@ -1629,7 +1630,7 @@
           <a:p>
             <a:fld id="{E2D7B634-6894-4B14-A937-12088DEF902E}" type="datetimeFigureOut">
               <a:rPr lang="ru-RU" smtClean="0"/>
-              <a:t>03.02.2025</a:t>
+              <a:t>04.02.2025</a:t>
             </a:fld>
             <a:endParaRPr lang="ru-RU"/>
           </a:p>
@@ -1944,7 +1945,7 @@
           <a:p>
             <a:fld id="{E2D7B634-6894-4B14-A937-12088DEF902E}" type="datetimeFigureOut">
               <a:rPr lang="ru-RU" smtClean="0"/>
-              <a:t>03.02.2025</a:t>
+              <a:t>04.02.2025</a:t>
             </a:fld>
             <a:endParaRPr lang="ru-RU"/>
           </a:p>
@@ -2489,7 +2490,7 @@
           <a:p>
             <a:fld id="{E2D7B634-6894-4B14-A937-12088DEF902E}" type="datetimeFigureOut">
               <a:rPr lang="ru-RU" smtClean="0"/>
-              <a:t>03.02.2025</a:t>
+              <a:t>04.02.2025</a:t>
             </a:fld>
             <a:endParaRPr lang="ru-RU"/>
           </a:p>
@@ -2685,7 +2686,7 @@
           <a:p>
             <a:fld id="{E2D7B634-6894-4B14-A937-12088DEF902E}" type="datetimeFigureOut">
               <a:rPr lang="ru-RU" smtClean="0"/>
-              <a:t>03.02.2025</a:t>
+              <a:t>04.02.2025</a:t>
             </a:fld>
             <a:endParaRPr lang="ru-RU"/>
           </a:p>
@@ -2899,7 +2900,7 @@
           <a:p>
             <a:fld id="{E2D7B634-6894-4B14-A937-12088DEF902E}" type="datetimeFigureOut">
               <a:rPr lang="ru-RU" smtClean="0"/>
-              <a:t>03.02.2025</a:t>
+              <a:t>04.02.2025</a:t>
             </a:fld>
             <a:endParaRPr lang="ru-RU"/>
           </a:p>
@@ -3269,7 +3270,7 @@
           <a:p>
             <a:fld id="{E2D7B634-6894-4B14-A937-12088DEF902E}" type="datetimeFigureOut">
               <a:rPr lang="ru-RU" smtClean="0"/>
-              <a:t>03.02.2025</a:t>
+              <a:t>04.02.2025</a:t>
             </a:fld>
             <a:endParaRPr lang="ru-RU"/>
           </a:p>
@@ -3673,7 +3674,7 @@
           <a:p>
             <a:fld id="{E2D7B634-6894-4B14-A937-12088DEF902E}" type="datetimeFigureOut">
               <a:rPr lang="ru-RU" smtClean="0"/>
-              <a:t>03.02.2025</a:t>
+              <a:t>04.02.2025</a:t>
             </a:fld>
             <a:endParaRPr lang="ru-RU"/>
           </a:p>
@@ -3985,7 +3986,7 @@
           <a:p>
             <a:fld id="{E2D7B634-6894-4B14-A937-12088DEF902E}" type="datetimeFigureOut">
               <a:rPr lang="ru-RU" smtClean="0"/>
-              <a:t>03.02.2025</a:t>
+              <a:t>04.02.2025</a:t>
             </a:fld>
             <a:endParaRPr lang="ru-RU"/>
           </a:p>
@@ -4524,7 +4525,7 @@
           <a:p>
             <a:r>
               <a:rPr lang="en-US" dirty="0"/>
-              <a:t>Slime Platformer</a:t>
+              <a:t>Simple Platformer</a:t>
             </a:r>
             <a:endParaRPr lang="ru-RU" dirty="0"/>
           </a:p>
@@ -4914,7 +4915,7 @@
           <p:cNvPr id="2" name="Заголовок 1">
             <a:extLst>
               <a:ext uri="{FF2B5EF4-FFF2-40B4-BE49-F238E27FC236}">
-                <a16:creationId xmlns:a16="http://schemas.microsoft.com/office/drawing/2014/main" id="{1BC56BF9-72B4-DD0B-0047-3AE67B9C955E}"/>
+                <a16:creationId xmlns:a16="http://schemas.microsoft.com/office/drawing/2014/main" id="{BBA3A76C-6AFE-84F2-85E4-3563E9549964}"/>
               </a:ext>
             </a:extLst>
           </p:cNvPr>
@@ -4932,7 +4933,7 @@
           <a:p>
             <a:r>
               <a:rPr lang="ru-RU" dirty="0"/>
-              <a:t>Основные окна</a:t>
+              <a:t>Описание</a:t>
             </a:r>
           </a:p>
         </p:txBody>
@@ -4942,7 +4943,7 @@
           <p:cNvPr id="3" name="Объект 2">
             <a:extLst>
               <a:ext uri="{FF2B5EF4-FFF2-40B4-BE49-F238E27FC236}">
-                <a16:creationId xmlns:a16="http://schemas.microsoft.com/office/drawing/2014/main" id="{9CF2D26D-6A1D-7101-8109-28DA772AC495}"/>
+                <a16:creationId xmlns:a16="http://schemas.microsoft.com/office/drawing/2014/main" id="{DF7746F8-B837-266E-F68C-295B2035137E}"/>
               </a:ext>
             </a:extLst>
           </p:cNvPr>
@@ -4958,74 +4959,27 @@
           <a:bodyPr/>
           <a:lstStyle/>
           <a:p>
-            <a:endParaRPr lang="ru-RU"/>
-          </a:p>
-        </p:txBody>
-      </p:sp>
-      <p:pic>
-        <p:nvPicPr>
-          <p:cNvPr id="5" name="Рисунок 4">
-            <a:extLst>
-              <a:ext uri="{FF2B5EF4-FFF2-40B4-BE49-F238E27FC236}">
-                <a16:creationId xmlns:a16="http://schemas.microsoft.com/office/drawing/2014/main" id="{B65F63C8-526B-5EA2-BF09-B2579380A444}"/>
-              </a:ext>
-            </a:extLst>
-          </p:cNvPr>
-          <p:cNvPicPr>
-            <a:picLocks noChangeAspect="1"/>
-          </p:cNvPicPr>
-          <p:nvPr/>
-        </p:nvPicPr>
-        <p:blipFill>
-          <a:blip r:embed="rId2"/>
-          <a:stretch>
-            <a:fillRect/>
-          </a:stretch>
-        </p:blipFill>
-        <p:spPr>
-          <a:xfrm>
-            <a:off x="284827" y="2171881"/>
-            <a:ext cx="5315169" cy="4177630"/>
-          </a:xfrm>
-          <a:prstGeom prst="rect">
-            <a:avLst/>
-          </a:prstGeom>
-        </p:spPr>
-      </p:pic>
-      <p:pic>
-        <p:nvPicPr>
-          <p:cNvPr id="7" name="Рисунок 6">
-            <a:extLst>
-              <a:ext uri="{FF2B5EF4-FFF2-40B4-BE49-F238E27FC236}">
-                <a16:creationId xmlns:a16="http://schemas.microsoft.com/office/drawing/2014/main" id="{B645EFCF-F60C-FDD7-C432-D59B45789F0B}"/>
-              </a:ext>
-            </a:extLst>
-          </p:cNvPr>
-          <p:cNvPicPr>
-            <a:picLocks noChangeAspect="1"/>
-          </p:cNvPicPr>
-          <p:nvPr/>
-        </p:nvPicPr>
-        <p:blipFill>
-          <a:blip r:embed="rId3"/>
-          <a:stretch>
-            <a:fillRect/>
-          </a:stretch>
-        </p:blipFill>
-        <p:spPr>
-          <a:xfrm>
-            <a:off x="6387669" y="2171881"/>
-            <a:ext cx="5304928" cy="4177631"/>
-          </a:xfrm>
-          <a:prstGeom prst="rect">
-            <a:avLst/>
-          </a:prstGeom>
-        </p:spPr>
-      </p:pic>
+            <a:pPr marL="0" indent="0">
+              <a:buNone/>
+            </a:pPr>
+            <a:r>
+              <a:rPr lang="ru-RU" b="0" i="0" dirty="0">
+                <a:solidFill>
+                  <a:srgbClr val="BCBEC4"/>
+                </a:solidFill>
+                <a:effectLst/>
+                <a:latin typeface="Helvetica" panose="020B0604020202020204" pitchFamily="34" charset="0"/>
+              </a:rPr>
+              <a:t>Персонаж в игре - куб, цель которого пройти все препятствия и дойти до финиша, пройдя тем самым на следующий уровень. Препятствия - шипы, игроку необходимо пройти паркур на платформах избегая эти препятствия (финал уровня - желтый куб). Особенность и преимущество заключается в ее оптимизации и минимализме, смотреть на минималистичные текстуры очень приятно глазу, при этом повышается плавность игры за счет отсутствия ненужных текстур. Так же нету ненужного функционала, только чистый и приятный плавный геймплей.</a:t>
+            </a:r>
+            <a:endParaRPr lang="ru-RU" dirty="0"/>
+          </a:p>
+        </p:txBody>
+      </p:sp>
     </p:spTree>
     <p:extLst>
       <p:ext uri="{BB962C8B-B14F-4D97-AF65-F5344CB8AC3E}">
-        <p14:creationId xmlns:p14="http://schemas.microsoft.com/office/powerpoint/2010/main" val="4105080208"/>
+        <p14:creationId xmlns:p14="http://schemas.microsoft.com/office/powerpoint/2010/main" val="3180712385"/>
       </p:ext>
     </p:extLst>
   </p:cSld>
@@ -5057,6 +5011,149 @@
           <p:cNvPr id="2" name="Заголовок 1">
             <a:extLst>
               <a:ext uri="{FF2B5EF4-FFF2-40B4-BE49-F238E27FC236}">
+                <a16:creationId xmlns:a16="http://schemas.microsoft.com/office/drawing/2014/main" id="{1BC56BF9-72B4-DD0B-0047-3AE67B9C955E}"/>
+              </a:ext>
+            </a:extLst>
+          </p:cNvPr>
+          <p:cNvSpPr>
+            <a:spLocks noGrp="1"/>
+          </p:cNvSpPr>
+          <p:nvPr>
+            <p:ph type="title"/>
+          </p:nvPr>
+        </p:nvSpPr>
+        <p:spPr/>
+        <p:txBody>
+          <a:bodyPr/>
+          <a:lstStyle/>
+          <a:p>
+            <a:r>
+              <a:rPr lang="ru-RU" dirty="0"/>
+              <a:t>Основные окна</a:t>
+            </a:r>
+          </a:p>
+        </p:txBody>
+      </p:sp>
+      <p:sp>
+        <p:nvSpPr>
+          <p:cNvPr id="3" name="Объект 2">
+            <a:extLst>
+              <a:ext uri="{FF2B5EF4-FFF2-40B4-BE49-F238E27FC236}">
+                <a16:creationId xmlns:a16="http://schemas.microsoft.com/office/drawing/2014/main" id="{9CF2D26D-6A1D-7101-8109-28DA772AC495}"/>
+              </a:ext>
+            </a:extLst>
+          </p:cNvPr>
+          <p:cNvSpPr>
+            <a:spLocks noGrp="1"/>
+          </p:cNvSpPr>
+          <p:nvPr>
+            <p:ph idx="1"/>
+          </p:nvPr>
+        </p:nvSpPr>
+        <p:spPr/>
+        <p:txBody>
+          <a:bodyPr/>
+          <a:lstStyle/>
+          <a:p>
+            <a:endParaRPr lang="ru-RU"/>
+          </a:p>
+        </p:txBody>
+      </p:sp>
+      <p:pic>
+        <p:nvPicPr>
+          <p:cNvPr id="5" name="Рисунок 4">
+            <a:extLst>
+              <a:ext uri="{FF2B5EF4-FFF2-40B4-BE49-F238E27FC236}">
+                <a16:creationId xmlns:a16="http://schemas.microsoft.com/office/drawing/2014/main" id="{B65F63C8-526B-5EA2-BF09-B2579380A444}"/>
+              </a:ext>
+            </a:extLst>
+          </p:cNvPr>
+          <p:cNvPicPr>
+            <a:picLocks noChangeAspect="1"/>
+          </p:cNvPicPr>
+          <p:nvPr/>
+        </p:nvPicPr>
+        <p:blipFill>
+          <a:blip r:embed="rId2"/>
+          <a:stretch>
+            <a:fillRect/>
+          </a:stretch>
+        </p:blipFill>
+        <p:spPr>
+          <a:xfrm>
+            <a:off x="284827" y="2171881"/>
+            <a:ext cx="5315169" cy="4177630"/>
+          </a:xfrm>
+          <a:prstGeom prst="rect">
+            <a:avLst/>
+          </a:prstGeom>
+        </p:spPr>
+      </p:pic>
+      <p:pic>
+        <p:nvPicPr>
+          <p:cNvPr id="7" name="Рисунок 6">
+            <a:extLst>
+              <a:ext uri="{FF2B5EF4-FFF2-40B4-BE49-F238E27FC236}">
+                <a16:creationId xmlns:a16="http://schemas.microsoft.com/office/drawing/2014/main" id="{B645EFCF-F60C-FDD7-C432-D59B45789F0B}"/>
+              </a:ext>
+            </a:extLst>
+          </p:cNvPr>
+          <p:cNvPicPr>
+            <a:picLocks noChangeAspect="1"/>
+          </p:cNvPicPr>
+          <p:nvPr/>
+        </p:nvPicPr>
+        <p:blipFill>
+          <a:blip r:embed="rId3"/>
+          <a:stretch>
+            <a:fillRect/>
+          </a:stretch>
+        </p:blipFill>
+        <p:spPr>
+          <a:xfrm>
+            <a:off x="6387669" y="2171881"/>
+            <a:ext cx="5304928" cy="4177631"/>
+          </a:xfrm>
+          <a:prstGeom prst="rect">
+            <a:avLst/>
+          </a:prstGeom>
+        </p:spPr>
+      </p:pic>
+    </p:spTree>
+    <p:extLst>
+      <p:ext uri="{BB962C8B-B14F-4D97-AF65-F5344CB8AC3E}">
+        <p14:creationId xmlns:p14="http://schemas.microsoft.com/office/powerpoint/2010/main" val="4105080208"/>
+      </p:ext>
+    </p:extLst>
+  </p:cSld>
+  <p:clrMapOvr>
+    <a:masterClrMapping/>
+  </p:clrMapOvr>
+</p:sld>
+</file>
+
+<file path=ppt/slides/slide6.xml><?xml version="1.0" encoding="utf-8"?>
+<p:sld xmlns:a="http://schemas.openxmlformats.org/drawingml/2006/main" xmlns:r="http://schemas.openxmlformats.org/officeDocument/2006/relationships" xmlns:p="http://schemas.openxmlformats.org/presentationml/2006/main">
+  <p:cSld>
+    <p:spTree>
+      <p:nvGrpSpPr>
+        <p:cNvPr id="1" name=""/>
+        <p:cNvGrpSpPr/>
+        <p:nvPr/>
+      </p:nvGrpSpPr>
+      <p:grpSpPr>
+        <a:xfrm>
+          <a:off x="0" y="0"/>
+          <a:ext cx="0" cy="0"/>
+          <a:chOff x="0" y="0"/>
+          <a:chExt cx="0" cy="0"/>
+        </a:xfrm>
+      </p:grpSpPr>
+      <p:sp>
+        <p:nvSpPr>
+          <p:cNvPr id="2" name="Заголовок 1">
+            <a:extLst>
+              <a:ext uri="{FF2B5EF4-FFF2-40B4-BE49-F238E27FC236}">
                 <a16:creationId xmlns:a16="http://schemas.microsoft.com/office/drawing/2014/main" id="{623AFEBD-2121-297B-41D6-5F43408DFB4A}"/>
               </a:ext>
             </a:extLst>
@@ -5217,7 +5314,7 @@
 </p:sld>
 </file>
 
-<file path=ppt/slides/slide6.xml><?xml version="1.0" encoding="utf-8"?>
+<file path=ppt/slides/slide7.xml><?xml version="1.0" encoding="utf-8"?>
 <p:sld xmlns:a="http://schemas.openxmlformats.org/drawingml/2006/main" xmlns:r="http://schemas.openxmlformats.org/officeDocument/2006/relationships" xmlns:p="http://schemas.openxmlformats.org/presentationml/2006/main">
   <p:cSld>
     <p:spTree>
@@ -5446,7 +5543,7 @@
 </p:sld>
 </file>
 
-<file path=ppt/slides/slide7.xml><?xml version="1.0" encoding="utf-8"?>
+<file path=ppt/slides/slide8.xml><?xml version="1.0" encoding="utf-8"?>
 <p:sld xmlns:a="http://schemas.openxmlformats.org/drawingml/2006/main" xmlns:r="http://schemas.openxmlformats.org/officeDocument/2006/relationships" xmlns:p="http://schemas.openxmlformats.org/presentationml/2006/main">
   <p:cSld>
     <p:spTree>
